--- a/14- Softmax Regression/14- Softmax Regression.pptx
+++ b/14- Softmax Regression/14- Softmax Regression.pptx
@@ -1905,7 +1905,7 @@
           <a:p>
             <a:fld id="{23E4D8D3-D1BA-47B7-9B3E-7CD518F3DA96}" type="datetimeFigureOut">
               <a:rPr lang="ar-EG" smtClean="0"/>
-              <a:t>25/08/1445</a:t>
+              <a:t>13/09/1445</a:t>
             </a:fld>
             <a:endParaRPr lang="ar-EG"/>
           </a:p>
@@ -2406,7 +2406,7 @@
           <a:p>
             <a:fld id="{6FFCAAF8-81F3-4A80-AD3A-D6E5BD4B5A95}" type="datetimeFigureOut">
               <a:rPr lang="ar-EG" smtClean="0"/>
-              <a:t>25/08/1445</a:t>
+              <a:t>13/09/1445</a:t>
             </a:fld>
             <a:endParaRPr lang="ar-EG"/>
           </a:p>
@@ -2606,7 +2606,7 @@
           <a:p>
             <a:fld id="{6FFCAAF8-81F3-4A80-AD3A-D6E5BD4B5A95}" type="datetimeFigureOut">
               <a:rPr lang="ar-EG" smtClean="0"/>
-              <a:t>25/08/1445</a:t>
+              <a:t>13/09/1445</a:t>
             </a:fld>
             <a:endParaRPr lang="ar-EG"/>
           </a:p>
@@ -2816,7 +2816,7 @@
           <a:p>
             <a:fld id="{6FFCAAF8-81F3-4A80-AD3A-D6E5BD4B5A95}" type="datetimeFigureOut">
               <a:rPr lang="ar-EG" smtClean="0"/>
-              <a:t>25/08/1445</a:t>
+              <a:t>13/09/1445</a:t>
             </a:fld>
             <a:endParaRPr lang="ar-EG"/>
           </a:p>
@@ -3016,7 +3016,7 @@
           <a:p>
             <a:fld id="{6FFCAAF8-81F3-4A80-AD3A-D6E5BD4B5A95}" type="datetimeFigureOut">
               <a:rPr lang="ar-EG" smtClean="0"/>
-              <a:t>25/08/1445</a:t>
+              <a:t>13/09/1445</a:t>
             </a:fld>
             <a:endParaRPr lang="ar-EG"/>
           </a:p>
@@ -3292,7 +3292,7 @@
           <a:p>
             <a:fld id="{6FFCAAF8-81F3-4A80-AD3A-D6E5BD4B5A95}" type="datetimeFigureOut">
               <a:rPr lang="ar-EG" smtClean="0"/>
-              <a:t>25/08/1445</a:t>
+              <a:t>13/09/1445</a:t>
             </a:fld>
             <a:endParaRPr lang="ar-EG"/>
           </a:p>
@@ -3560,7 +3560,7 @@
           <a:p>
             <a:fld id="{6FFCAAF8-81F3-4A80-AD3A-D6E5BD4B5A95}" type="datetimeFigureOut">
               <a:rPr lang="ar-EG" smtClean="0"/>
-              <a:t>25/08/1445</a:t>
+              <a:t>13/09/1445</a:t>
             </a:fld>
             <a:endParaRPr lang="ar-EG"/>
           </a:p>
@@ -3975,7 +3975,7 @@
           <a:p>
             <a:fld id="{6FFCAAF8-81F3-4A80-AD3A-D6E5BD4B5A95}" type="datetimeFigureOut">
               <a:rPr lang="ar-EG" smtClean="0"/>
-              <a:t>25/08/1445</a:t>
+              <a:t>13/09/1445</a:t>
             </a:fld>
             <a:endParaRPr lang="ar-EG"/>
           </a:p>
@@ -4117,7 +4117,7 @@
           <a:p>
             <a:fld id="{6FFCAAF8-81F3-4A80-AD3A-D6E5BD4B5A95}" type="datetimeFigureOut">
               <a:rPr lang="ar-EG" smtClean="0"/>
-              <a:t>25/08/1445</a:t>
+              <a:t>13/09/1445</a:t>
             </a:fld>
             <a:endParaRPr lang="ar-EG"/>
           </a:p>
@@ -4230,7 +4230,7 @@
           <a:p>
             <a:fld id="{6FFCAAF8-81F3-4A80-AD3A-D6E5BD4B5A95}" type="datetimeFigureOut">
               <a:rPr lang="ar-EG" smtClean="0"/>
-              <a:t>25/08/1445</a:t>
+              <a:t>13/09/1445</a:t>
             </a:fld>
             <a:endParaRPr lang="ar-EG"/>
           </a:p>
@@ -4543,7 +4543,7 @@
           <a:p>
             <a:fld id="{6FFCAAF8-81F3-4A80-AD3A-D6E5BD4B5A95}" type="datetimeFigureOut">
               <a:rPr lang="ar-EG" smtClean="0"/>
-              <a:t>25/08/1445</a:t>
+              <a:t>13/09/1445</a:t>
             </a:fld>
             <a:endParaRPr lang="ar-EG"/>
           </a:p>
@@ -4832,7 +4832,7 @@
           <a:p>
             <a:fld id="{6FFCAAF8-81F3-4A80-AD3A-D6E5BD4B5A95}" type="datetimeFigureOut">
               <a:rPr lang="ar-EG" smtClean="0"/>
-              <a:t>25/08/1445</a:t>
+              <a:t>13/09/1445</a:t>
             </a:fld>
             <a:endParaRPr lang="ar-EG"/>
           </a:p>
@@ -5075,7 +5075,7 @@
           <a:p>
             <a:fld id="{6FFCAAF8-81F3-4A80-AD3A-D6E5BD4B5A95}" type="datetimeFigureOut">
               <a:rPr lang="ar-EG" smtClean="0"/>
-              <a:t>25/08/1445</a:t>
+              <a:t>13/09/1445</a:t>
             </a:fld>
             <a:endParaRPr lang="ar-EG"/>
           </a:p>
@@ -7379,41 +7379,6 @@
           </p:sp>
         </mc:Fallback>
       </mc:AlternateContent>
-      <p:pic>
-        <p:nvPicPr>
-          <p:cNvPr id="11" name="Picture 10" descr="A picture containing text, diagram, line, font&#10;&#10;Description automatically generated">
-            <a:extLst>
-              <a:ext uri="{FF2B5EF4-FFF2-40B4-BE49-F238E27FC236}">
-                <a16:creationId xmlns:a16="http://schemas.microsoft.com/office/drawing/2014/main" id="{EEC13619-0FAC-D26D-1374-9D404519F679}"/>
-              </a:ext>
-            </a:extLst>
-          </p:cNvPr>
-          <p:cNvPicPr>
-            <a:picLocks noChangeAspect="1"/>
-          </p:cNvPicPr>
-          <p:nvPr/>
-        </p:nvPicPr>
-        <p:blipFill rotWithShape="1">
-          <a:blip r:embed="rId3">
-            <a:extLst>
-              <a:ext uri="{28A0092B-C50C-407E-A947-70E740481C1C}">
-                <a14:useLocalDpi xmlns:a14="http://schemas.microsoft.com/office/drawing/2010/main" val="0"/>
-              </a:ext>
-            </a:extLst>
-          </a:blip>
-          <a:srcRect t="2745"/>
-          <a:stretch/>
-        </p:blipFill>
-        <p:spPr>
-          <a:xfrm>
-            <a:off x="4856958" y="2410376"/>
-            <a:ext cx="7088965" cy="4313909"/>
-          </a:xfrm>
-          <a:prstGeom prst="rect">
-            <a:avLst/>
-          </a:prstGeom>
-        </p:spPr>
-      </p:pic>
       <p:sp>
         <p:nvSpPr>
           <p:cNvPr id="12" name="Rectangle 11">
@@ -15996,8 +15961,8 @@
           <a:chExt cx="0" cy="0"/>
         </a:xfrm>
       </p:grpSpPr>
-      <mc:AlternateContent xmlns:mc="http://schemas.openxmlformats.org/markup-compatibility/2006">
-        <mc:Choice xmlns:a14="http://schemas.microsoft.com/office/drawing/2010/main" Requires="a14">
+      <mc:AlternateContent xmlns:mc="http://schemas.openxmlformats.org/markup-compatibility/2006" xmlns:a14="http://schemas.microsoft.com/office/drawing/2010/main">
+        <mc:Choice Requires="a14">
           <p:sp>
             <p:nvSpPr>
               <p:cNvPr id="2" name="Title 1">
@@ -17115,7 +17080,7 @@
             </p:txBody>
           </p:sp>
         </mc:Choice>
-        <mc:Fallback>
+        <mc:Fallback xmlns="">
           <p:sp>
             <p:nvSpPr>
               <p:cNvPr id="2" name="Title 1">
